--- a/Publications/Presentation2015-09-REDCapCon/REDCapIntegration.pptx
+++ b/Publications/Presentation2015-09-REDCapCon/REDCapIntegration.pptx
@@ -3426,7 +3426,12 @@
             <p:ph type="title"/>
           </p:nvPr>
         </p:nvSpPr>
-        <p:spPr/>
+        <p:spPr>
+          <a:xfrm>
+            <a:off x="838200" y="201350"/>
+            <a:ext cx="10515600" cy="822230"/>
+          </a:xfrm>
+        </p:spPr>
         <p:txBody>
           <a:bodyPr/>
           <a:lstStyle/>
@@ -3450,7 +3455,12 @@
             <p:ph idx="1"/>
           </p:nvPr>
         </p:nvSpPr>
-        <p:spPr/>
+        <p:spPr>
+          <a:xfrm>
+            <a:off x="838200" y="1023582"/>
+            <a:ext cx="10515600" cy="5834418"/>
+          </a:xfrm>
+        </p:spPr>
         <p:txBody>
           <a:bodyPr>
             <a:normAutofit/>
@@ -3470,7 +3480,24 @@
               <a:rPr lang="en-US" sz="4000" dirty="0" smtClean="0">
                 <a:latin typeface="+mj-lt"/>
               </a:rPr>
-              <a:t>Upstream elements </a:t>
+              <a:t>Upstream </a:t>
+            </a:r>
+            <a:r>
+              <a:rPr lang="en-US" sz="4000" dirty="0" smtClean="0">
+                <a:latin typeface="+mj-lt"/>
+              </a:rPr>
+              <a:t>elements</a:t>
+            </a:r>
+            <a:br>
+              <a:rPr lang="en-US" sz="4000" dirty="0" smtClean="0">
+                <a:latin typeface="+mj-lt"/>
+              </a:rPr>
+            </a:br>
+            <a:r>
+              <a:rPr lang="en-US" sz="4000" dirty="0" smtClean="0">
+                <a:latin typeface="+mj-lt"/>
+              </a:rPr>
+              <a:t>		</a:t>
             </a:r>
             <a:r>
               <a:rPr lang="en-US" sz="4000" dirty="0" smtClean="0">
@@ -3481,8 +3508,16 @@
                 </a:solidFill>
                 <a:latin typeface="+mj-lt"/>
               </a:rPr>
-              <a:t>(Denise)</a:t>
-            </a:r>
+              <a:t>Denise (Duke University)</a:t>
+            </a:r>
+            <a:endParaRPr lang="en-US" sz="4000" dirty="0" smtClean="0">
+              <a:solidFill>
+                <a:schemeClr val="bg1">
+                  <a:lumMod val="50000"/>
+                </a:schemeClr>
+              </a:solidFill>
+              <a:latin typeface="+mj-lt"/>
+            </a:endParaRPr>
           </a:p>
           <a:p>
             <a:pPr lvl="1"/>
@@ -3490,7 +3525,24 @@
               <a:rPr lang="en-US" sz="4000" dirty="0" smtClean="0">
                 <a:latin typeface="+mj-lt"/>
               </a:rPr>
-              <a:t>Other REDCap instances </a:t>
+              <a:t>Other REDCap </a:t>
+            </a:r>
+            <a:r>
+              <a:rPr lang="en-US" sz="4000" dirty="0" smtClean="0">
+                <a:latin typeface="+mj-lt"/>
+              </a:rPr>
+              <a:t>instances</a:t>
+            </a:r>
+            <a:br>
+              <a:rPr lang="en-US" sz="4000" dirty="0" smtClean="0">
+                <a:latin typeface="+mj-lt"/>
+              </a:rPr>
+            </a:br>
+            <a:r>
+              <a:rPr lang="en-US" sz="4000" dirty="0" smtClean="0">
+                <a:latin typeface="+mj-lt"/>
+              </a:rPr>
+              <a:t>		</a:t>
             </a:r>
             <a:r>
               <a:rPr lang="en-US" sz="4000" dirty="0" smtClean="0">
@@ -3501,7 +3553,7 @@
                 </a:solidFill>
                 <a:latin typeface="+mj-lt"/>
               </a:rPr>
-              <a:t>(Vijay)</a:t>
+              <a:t>Vijay (Health Partners)</a:t>
             </a:r>
             <a:endParaRPr lang="en-US" sz="4000" dirty="0" smtClean="0">
               <a:latin typeface="+mj-lt"/>
@@ -3513,7 +3565,18 @@
               <a:rPr lang="en-US" sz="4000" dirty="0" smtClean="0">
                 <a:latin typeface="+mj-lt"/>
               </a:rPr>
-              <a:t>Downstream elements </a:t>
+              <a:t>Downstream elements</a:t>
+            </a:r>
+            <a:br>
+              <a:rPr lang="en-US" sz="4000" dirty="0" smtClean="0">
+                <a:latin typeface="+mj-lt"/>
+              </a:rPr>
+            </a:br>
+            <a:r>
+              <a:rPr lang="en-US" sz="4000" dirty="0" smtClean="0">
+                <a:latin typeface="+mj-lt"/>
+              </a:rPr>
+              <a:t>		</a:t>
             </a:r>
             <a:r>
               <a:rPr lang="en-US" sz="4000" dirty="0" smtClean="0">
@@ -3524,8 +3587,49 @@
                 </a:solidFill>
                 <a:latin typeface="+mj-lt"/>
               </a:rPr>
-              <a:t>(Will)</a:t>
-            </a:r>
+              <a:t>Will</a:t>
+            </a:r>
+            <a:r>
+              <a:rPr lang="en-US" sz="4000" dirty="0" smtClean="0">
+                <a:solidFill>
+                  <a:schemeClr val="bg1">
+                    <a:lumMod val="50000"/>
+                  </a:schemeClr>
+                </a:solidFill>
+                <a:latin typeface="+mj-lt"/>
+              </a:rPr>
+              <a:t> </a:t>
+            </a:r>
+            <a:r>
+              <a:rPr lang="en-US" sz="4000" dirty="0">
+                <a:solidFill>
+                  <a:schemeClr val="bg1">
+                    <a:lumMod val="50000"/>
+                  </a:schemeClr>
+                </a:solidFill>
+                <a:latin typeface="+mj-lt"/>
+              </a:rPr>
+              <a:t>(</a:t>
+            </a:r>
+            <a:r>
+              <a:rPr lang="en-US" sz="4000" dirty="0" smtClean="0">
+                <a:solidFill>
+                  <a:schemeClr val="bg1">
+                    <a:lumMod val="50000"/>
+                  </a:schemeClr>
+                </a:solidFill>
+                <a:latin typeface="+mj-lt"/>
+              </a:rPr>
+              <a:t>University of Oklahoma)</a:t>
+            </a:r>
+            <a:endParaRPr lang="en-US" sz="4000" dirty="0" smtClean="0">
+              <a:solidFill>
+                <a:schemeClr val="bg1">
+                  <a:lumMod val="50000"/>
+                </a:schemeClr>
+              </a:solidFill>
+              <a:latin typeface="+mj-lt"/>
+            </a:endParaRPr>
           </a:p>
           <a:p>
             <a:endParaRPr lang="en-US" sz="4400" dirty="0" smtClean="0">
